--- a/Lectures/mergesort_animation.pptx
+++ b/Lectures/mergesort_animation.pptx
@@ -3477,11 +3477,7 @@
           <a:p>
             <a:r>
               <a:rPr lang="en-US" dirty="0" smtClean="0"/>
-              <a:t>MERGE_SORT(4, 4) </a:t>
-            </a:r>
-            <a:r>
-              <a:rPr lang="en-US" dirty="0" smtClean="0"/>
-              <a:t>-&gt; [3]</a:t>
+              <a:t>MERGE_SORT(4, 4) -&gt; [3]</a:t>
             </a:r>
             <a:endParaRPr lang="en-US" dirty="0"/>
           </a:p>
@@ -6146,8 +6142,12 @@
           <a:lstStyle/>
           <a:p>
             <a:r>
+              <a:rPr lang="en-US" dirty="0" smtClean="0"/>
+              <a:t>MERGE_SORT(5, 6) </a:t>
+            </a:r>
+            <a:r>
               <a:rPr lang="en-US" dirty="0"/>
-              <a:t>MERGE_SORT(4, 5) -&gt; [10, 7]</a:t>
+              <a:t>-&gt; [10, 7]</a:t>
             </a:r>
           </a:p>
         </p:txBody>
@@ -6210,8 +6210,12 @@
           <a:lstStyle/>
           <a:p>
             <a:r>
+              <a:rPr lang="en-US" dirty="0" smtClean="0"/>
+              <a:t>MERGE_SORT(5, 5) </a:t>
+            </a:r>
+            <a:r>
               <a:rPr lang="en-US" dirty="0"/>
-              <a:t>MERGE_SORT(4, 4) -&gt; [10]</a:t>
+              <a:t>-&gt; [10]</a:t>
             </a:r>
           </a:p>
         </p:txBody>
@@ -6274,8 +6278,12 @@
           <a:lstStyle/>
           <a:p>
             <a:r>
+              <a:rPr lang="en-US" dirty="0" smtClean="0"/>
+              <a:t>MERGE_SORT(6, 6) </a:t>
+            </a:r>
+            <a:r>
               <a:rPr lang="en-US" dirty="0"/>
-              <a:t>MERGE_SORT(5, 5) -&gt; [7]</a:t>
+              <a:t>-&gt; [7]</a:t>
             </a:r>
           </a:p>
         </p:txBody>
@@ -6339,7 +6347,15 @@
           <a:p>
             <a:r>
               <a:rPr lang="en-US" dirty="0"/>
-              <a:t> MERGE(4, 5) -&gt; [10, 7]</a:t>
+              <a:t> </a:t>
+            </a:r>
+            <a:r>
+              <a:rPr lang="en-US" dirty="0" smtClean="0"/>
+              <a:t>MERGE(5, 6) </a:t>
+            </a:r>
+            <a:r>
+              <a:rPr lang="en-US" dirty="0"/>
+              <a:t>-&gt; [10, 7]</a:t>
             </a:r>
           </a:p>
         </p:txBody>
@@ -6402,8 +6418,12 @@
           <a:lstStyle/>
           <a:p>
             <a:r>
+              <a:rPr lang="en-US" dirty="0" smtClean="0"/>
+              <a:t>MERGE_SORT(7, 8) </a:t>
+            </a:r>
+            <a:r>
               <a:rPr lang="en-US" dirty="0"/>
-              <a:t>MERGE_SORT(6, 7) -&gt; [6, </a:t>
+              <a:t>-&gt; [6, </a:t>
             </a:r>
             <a:r>
               <a:rPr lang="en-US" dirty="0" smtClean="0"/>
@@ -6472,7 +6492,15 @@
           <a:p>
             <a:r>
               <a:rPr lang="en-US" dirty="0"/>
-              <a:t> MERGE_SORT(6, 6) -&gt; [6]</a:t>
+              <a:t> </a:t>
+            </a:r>
+            <a:r>
+              <a:rPr lang="en-US" dirty="0" smtClean="0"/>
+              <a:t>MERGE_SORT(7, 7) </a:t>
+            </a:r>
+            <a:r>
+              <a:rPr lang="en-US" dirty="0"/>
+              <a:t>-&gt; [6]</a:t>
             </a:r>
           </a:p>
         </p:txBody>
@@ -6536,7 +6564,15 @@
           <a:p>
             <a:r>
               <a:rPr lang="en-US" dirty="0"/>
-              <a:t> MERGE_SORT(7, 7) -&gt; [1]</a:t>
+              <a:t> </a:t>
+            </a:r>
+            <a:r>
+              <a:rPr lang="en-US" dirty="0" smtClean="0"/>
+              <a:t>MERGE_SORT(8, 8) </a:t>
+            </a:r>
+            <a:r>
+              <a:rPr lang="en-US" dirty="0"/>
+              <a:t>-&gt; [1]</a:t>
             </a:r>
           </a:p>
         </p:txBody>
@@ -6600,7 +6636,15 @@
           <a:p>
             <a:r>
               <a:rPr lang="en-US" dirty="0"/>
-              <a:t> MERGE(6, 7) -&gt; [6, 1]</a:t>
+              <a:t> </a:t>
+            </a:r>
+            <a:r>
+              <a:rPr lang="en-US" dirty="0" smtClean="0"/>
+              <a:t>MERGE(7, 8) </a:t>
+            </a:r>
+            <a:r>
+              <a:rPr lang="en-US" dirty="0"/>
+              <a:t>-&gt; [6, 1]</a:t>
             </a:r>
           </a:p>
         </p:txBody>
@@ -6663,8 +6707,12 @@
           <a:lstStyle/>
           <a:p>
             <a:r>
+              <a:rPr lang="en-US" dirty="0" smtClean="0"/>
+              <a:t>MERGE(5, 8) </a:t>
+            </a:r>
+            <a:r>
               <a:rPr lang="en-US" dirty="0"/>
-              <a:t>MERGE(4, 7) -&gt; [7, 10, 1, 6]</a:t>
+              <a:t>-&gt; [7, 10, 1, 6]</a:t>
             </a:r>
           </a:p>
         </p:txBody>
